--- a/TD1/TD1.pptx
+++ b/TD1/TD1.pptx
@@ -11,10 +11,11 @@
     <p:sldId id="259" r:id="rId5"/>
     <p:sldId id="260" r:id="rId6"/>
     <p:sldId id="261" r:id="rId7"/>
-    <p:sldId id="262" r:id="rId8"/>
-    <p:sldId id="263" r:id="rId9"/>
-    <p:sldId id="264" r:id="rId10"/>
-    <p:sldId id="265" r:id="rId11"/>
+    <p:sldId id="266" r:id="rId8"/>
+    <p:sldId id="262" r:id="rId9"/>
+    <p:sldId id="263" r:id="rId10"/>
+    <p:sldId id="264" r:id="rId11"/>
+    <p:sldId id="265" r:id="rId12"/>
   </p:sldIdLst>
   <p:sldSz cx="9144000" cy="6858000" type="screen4x3"/>
   <p:notesSz cx="6858000" cy="9144000"/>
@@ -1935,6 +1936,13 @@
         </dgm:presLayoutVars>
       </dgm:prSet>
       <dgm:spPr/>
+      <dgm:t>
+        <a:bodyPr/>
+        <a:lstStyle/>
+        <a:p>
+          <a:endParaRPr lang="fr-FR"/>
+        </a:p>
+      </dgm:t>
     </dgm:pt>
     <dgm:pt modelId="{08C77E08-FF8A-4BFE-936C-DEFD6AF14F22}" type="pres">
       <dgm:prSet presAssocID="{9F8E4C0B-623C-4D97-9D44-DA0DBAA4E87B}" presName="Name1" presStyleCnt="0"/>
@@ -1947,6 +1955,13 @@
     <dgm:pt modelId="{0557B07F-7E04-4A79-B502-B3797DFC393D}" type="pres">
       <dgm:prSet presAssocID="{EEE125CD-38F8-4189-88B3-953DE5B9FFDB}" presName="pictureRepeatNode" presStyleLbl="alignImgPlace1" presStyleIdx="0" presStyleCnt="5"/>
       <dgm:spPr/>
+      <dgm:t>
+        <a:bodyPr/>
+        <a:lstStyle/>
+        <a:p>
+          <a:endParaRPr lang="fr-FR"/>
+        </a:p>
+      </dgm:t>
     </dgm:pt>
     <dgm:pt modelId="{29F70E9E-E627-4840-909A-0B36E1210DDC}" type="pres">
       <dgm:prSet presAssocID="{3FAAEF66-A61B-48D0-AD82-6370347DAA8B}" presName="text_1" presStyleLbl="node1" presStyleIdx="0" presStyleCnt="0" custScaleY="62093" custLinFactY="15986" custLinFactNeighborY="100000">
@@ -1955,6 +1970,13 @@
         </dgm:presLayoutVars>
       </dgm:prSet>
       <dgm:spPr/>
+      <dgm:t>
+        <a:bodyPr/>
+        <a:lstStyle/>
+        <a:p>
+          <a:endParaRPr lang="fr-FR"/>
+        </a:p>
+      </dgm:t>
     </dgm:pt>
     <dgm:pt modelId="{5DD42D9F-C4D6-46C3-9721-29047C7372AB}" type="pres">
       <dgm:prSet presAssocID="{8F7E9173-77D6-4196-99D8-B67B6DEDA9DB}" presName="picture_2" presStyleCnt="0"/>
@@ -1963,6 +1985,13 @@
     <dgm:pt modelId="{88AE1345-C2D1-4DCD-B1F0-D1235F920DA3}" type="pres">
       <dgm:prSet presAssocID="{8F7E9173-77D6-4196-99D8-B67B6DEDA9DB}" presName="pictureRepeatNode" presStyleLbl="alignImgPlace1" presStyleIdx="1" presStyleCnt="5"/>
       <dgm:spPr/>
+      <dgm:t>
+        <a:bodyPr/>
+        <a:lstStyle/>
+        <a:p>
+          <a:endParaRPr lang="fr-FR"/>
+        </a:p>
+      </dgm:t>
     </dgm:pt>
     <dgm:pt modelId="{FACF9A5E-D899-43F4-8940-2425F50BFCEA}" type="pres">
       <dgm:prSet presAssocID="{BDA0EC43-D444-4559-A1B6-2E39B87D8493}" presName="line_2" presStyleLbl="parChTrans1D1" presStyleIdx="0" presStyleCnt="4"/>
@@ -1979,6 +2008,13 @@
         </dgm:presLayoutVars>
       </dgm:prSet>
       <dgm:spPr/>
+      <dgm:t>
+        <a:bodyPr/>
+        <a:lstStyle/>
+        <a:p>
+          <a:endParaRPr lang="fr-FR"/>
+        </a:p>
+      </dgm:t>
     </dgm:pt>
     <dgm:pt modelId="{0B9D92C3-6729-4A01-BADF-18307178BF0E}" type="pres">
       <dgm:prSet presAssocID="{85FA7B54-3938-464A-B0B5-4BF50247280A}" presName="picture_3" presStyleCnt="0"/>
@@ -1987,6 +2023,13 @@
     <dgm:pt modelId="{3B350F69-BC7F-459F-94F7-8765E41A513D}" type="pres">
       <dgm:prSet presAssocID="{85FA7B54-3938-464A-B0B5-4BF50247280A}" presName="pictureRepeatNode" presStyleLbl="alignImgPlace1" presStyleIdx="2" presStyleCnt="5"/>
       <dgm:spPr/>
+      <dgm:t>
+        <a:bodyPr/>
+        <a:lstStyle/>
+        <a:p>
+          <a:endParaRPr lang="fr-FR"/>
+        </a:p>
+      </dgm:t>
     </dgm:pt>
     <dgm:pt modelId="{C510FFDD-ABAC-42E6-BFD1-D87B41DD1C0D}" type="pres">
       <dgm:prSet presAssocID="{0605B51D-3CFF-4E72-BBD2-2C6CF8975A98}" presName="line_3" presStyleLbl="parChTrans1D1" presStyleIdx="1" presStyleCnt="4"/>
@@ -2018,6 +2061,13 @@
     <dgm:pt modelId="{F028B57E-D49E-45E1-BB54-E440B8979882}" type="pres">
       <dgm:prSet presAssocID="{8DAE89AE-0CD3-4886-819A-4D33EED854C3}" presName="pictureRepeatNode" presStyleLbl="alignImgPlace1" presStyleIdx="3" presStyleCnt="5"/>
       <dgm:spPr/>
+      <dgm:t>
+        <a:bodyPr/>
+        <a:lstStyle/>
+        <a:p>
+          <a:endParaRPr lang="fr-FR"/>
+        </a:p>
+      </dgm:t>
     </dgm:pt>
     <dgm:pt modelId="{720A7576-6CDE-4266-8430-37567E0376DE}" type="pres">
       <dgm:prSet presAssocID="{A8EBBDDD-3F5F-417F-B418-B56C0950D65A}" presName="line_4" presStyleLbl="parChTrans1D1" presStyleIdx="2" presStyleCnt="4" custLinFactNeighborX="-9811"/>
@@ -2034,6 +2084,13 @@
         </dgm:presLayoutVars>
       </dgm:prSet>
       <dgm:spPr/>
+      <dgm:t>
+        <a:bodyPr/>
+        <a:lstStyle/>
+        <a:p>
+          <a:endParaRPr lang="fr-FR"/>
+        </a:p>
+      </dgm:t>
     </dgm:pt>
     <dgm:pt modelId="{C1F1FC55-9243-451F-80D2-938AFEBF98EE}" type="pres">
       <dgm:prSet presAssocID="{6DAA0197-0399-41CD-BAFD-563800365B53}" presName="picture_5" presStyleCnt="0"/>
@@ -2042,6 +2099,13 @@
     <dgm:pt modelId="{ABE9A04C-A94F-4FED-9D7D-8F94A2E08D80}" type="pres">
       <dgm:prSet presAssocID="{6DAA0197-0399-41CD-BAFD-563800365B53}" presName="pictureRepeatNode" presStyleLbl="alignImgPlace1" presStyleIdx="4" presStyleCnt="5"/>
       <dgm:spPr/>
+      <dgm:t>
+        <a:bodyPr/>
+        <a:lstStyle/>
+        <a:p>
+          <a:endParaRPr lang="fr-FR"/>
+        </a:p>
+      </dgm:t>
     </dgm:pt>
     <dgm:pt modelId="{8242D167-F27E-403A-B1F1-52224AFE658E}" type="pres">
       <dgm:prSet presAssocID="{E767FA5D-23A8-492E-98B2-909B3F47A277}" presName="line_5" presStyleLbl="parChTrans1D1" presStyleIdx="3" presStyleCnt="4"/>
@@ -2068,22 +2132,22 @@
     </dgm:pt>
   </dgm:ptLst>
   <dgm:cxnLst>
-    <dgm:cxn modelId="{9CE5100E-9E21-405C-B505-86C00395063A}" type="presOf" srcId="{85FA7B54-3938-464A-B0B5-4BF50247280A}" destId="{3B350F69-BC7F-459F-94F7-8765E41A513D}" srcOrd="0" destOrd="0" presId="urn:microsoft.com/office/officeart/2008/layout/CircularPictureCallout"/>
-    <dgm:cxn modelId="{F58B0AD5-FAD6-4B68-B49A-07E81BE4E7DD}" srcId="{9F8E4C0B-623C-4D97-9D44-DA0DBAA4E87B}" destId="{E767FA5D-23A8-492E-98B2-909B3F47A277}" srcOrd="4" destOrd="0" parTransId="{370B01AD-FCE8-4F7D-9963-98CF387EE08F}" sibTransId="{6DAA0197-0399-41CD-BAFD-563800365B53}"/>
+    <dgm:cxn modelId="{6D81A1FA-40AE-4FCC-B5F3-93DDE95A4331}" srcId="{9F8E4C0B-623C-4D97-9D44-DA0DBAA4E87B}" destId="{BDA0EC43-D444-4559-A1B6-2E39B87D8493}" srcOrd="1" destOrd="0" parTransId="{1163F0B7-B90B-4327-B7F0-CF4FE88613E9}" sibTransId="{8F7E9173-77D6-4196-99D8-B67B6DEDA9DB}"/>
+    <dgm:cxn modelId="{AE557988-85EF-48DE-A2B6-0EFC0ABE21BE}" type="presOf" srcId="{6DAA0197-0399-41CD-BAFD-563800365B53}" destId="{ABE9A04C-A94F-4FED-9D7D-8F94A2E08D80}" srcOrd="0" destOrd="0" presId="urn:microsoft.com/office/officeart/2008/layout/CircularPictureCallout"/>
+    <dgm:cxn modelId="{EA7EB9EE-1B63-4981-8BB8-54C75B079A3E}" srcId="{9F8E4C0B-623C-4D97-9D44-DA0DBAA4E87B}" destId="{3FAAEF66-A61B-48D0-AD82-6370347DAA8B}" srcOrd="0" destOrd="0" parTransId="{E7AB5F41-B244-47E3-8F57-77377481B88E}" sibTransId="{EEE125CD-38F8-4189-88B3-953DE5B9FFDB}"/>
+    <dgm:cxn modelId="{98E0B630-8C5A-40AE-BDE1-298E3BFBDB21}" type="presOf" srcId="{3FAAEF66-A61B-48D0-AD82-6370347DAA8B}" destId="{29F70E9E-E627-4840-909A-0B36E1210DDC}" srcOrd="0" destOrd="0" presId="urn:microsoft.com/office/officeart/2008/layout/CircularPictureCallout"/>
+    <dgm:cxn modelId="{338FAC96-A67E-4309-8ADD-FC6DA6F174C2}" type="presOf" srcId="{8F7E9173-77D6-4196-99D8-B67B6DEDA9DB}" destId="{88AE1345-C2D1-4DCD-B1F0-D1235F920DA3}" srcOrd="0" destOrd="0" presId="urn:microsoft.com/office/officeart/2008/layout/CircularPictureCallout"/>
     <dgm:cxn modelId="{B6589688-E223-430F-85CF-2C5BBD64A683}" type="presOf" srcId="{9F8E4C0B-623C-4D97-9D44-DA0DBAA4E87B}" destId="{E81A35EC-2EE4-443B-8063-F1059E237A7C}" srcOrd="0" destOrd="0" presId="urn:microsoft.com/office/officeart/2008/layout/CircularPictureCallout"/>
+    <dgm:cxn modelId="{637920E9-217D-498B-8FD7-132FDE85EB28}" srcId="{9F8E4C0B-623C-4D97-9D44-DA0DBAA4E87B}" destId="{0605B51D-3CFF-4E72-BBD2-2C6CF8975A98}" srcOrd="2" destOrd="0" parTransId="{44CA85D8-788E-4EB5-8CEE-FD4CF480A485}" sibTransId="{85FA7B54-3938-464A-B0B5-4BF50247280A}"/>
+    <dgm:cxn modelId="{47191092-0770-402C-8580-DED075F310E9}" type="presOf" srcId="{A8EBBDDD-3F5F-417F-B418-B56C0950D65A}" destId="{D44149A6-3C7D-428F-AA90-BF94D9C6334E}" srcOrd="0" destOrd="0" presId="urn:microsoft.com/office/officeart/2008/layout/CircularPictureCallout"/>
     <dgm:cxn modelId="{42070547-18EB-49D9-916A-F643169CF615}" type="presOf" srcId="{BDA0EC43-D444-4559-A1B6-2E39B87D8493}" destId="{18D0D570-CC97-4789-8D2C-80A0C162E125}" srcOrd="0" destOrd="0" presId="urn:microsoft.com/office/officeart/2008/layout/CircularPictureCallout"/>
     <dgm:cxn modelId="{630321EC-4B97-40B7-9104-23E9D343DB27}" type="presOf" srcId="{E767FA5D-23A8-492E-98B2-909B3F47A277}" destId="{D69238BC-EB87-4A97-987E-6CDFBD8F0614}" srcOrd="0" destOrd="0" presId="urn:microsoft.com/office/officeart/2008/layout/CircularPictureCallout"/>
+    <dgm:cxn modelId="{F58B0AD5-FAD6-4B68-B49A-07E81BE4E7DD}" srcId="{9F8E4C0B-623C-4D97-9D44-DA0DBAA4E87B}" destId="{E767FA5D-23A8-492E-98B2-909B3F47A277}" srcOrd="4" destOrd="0" parTransId="{370B01AD-FCE8-4F7D-9963-98CF387EE08F}" sibTransId="{6DAA0197-0399-41CD-BAFD-563800365B53}"/>
     <dgm:cxn modelId="{6E772BB7-8BF6-4FDD-BD2D-1B76D02EB9C3}" srcId="{9F8E4C0B-623C-4D97-9D44-DA0DBAA4E87B}" destId="{A8EBBDDD-3F5F-417F-B418-B56C0950D65A}" srcOrd="3" destOrd="0" parTransId="{8D80EAFF-84A7-457C-B461-13D3D3C50DE3}" sibTransId="{8DAE89AE-0CD3-4886-819A-4D33EED854C3}"/>
+    <dgm:cxn modelId="{9CE5100E-9E21-405C-B505-86C00395063A}" type="presOf" srcId="{85FA7B54-3938-464A-B0B5-4BF50247280A}" destId="{3B350F69-BC7F-459F-94F7-8765E41A513D}" srcOrd="0" destOrd="0" presId="urn:microsoft.com/office/officeart/2008/layout/CircularPictureCallout"/>
+    <dgm:cxn modelId="{FF89F24F-4DF1-42AD-8BFD-F1BE64E9FBCC}" type="presOf" srcId="{8DAE89AE-0CD3-4886-819A-4D33EED854C3}" destId="{F028B57E-D49E-45E1-BB54-E440B8979882}" srcOrd="0" destOrd="0" presId="urn:microsoft.com/office/officeart/2008/layout/CircularPictureCallout"/>
     <dgm:cxn modelId="{AE240E1A-06B7-48BC-AB99-D6D831251CD5}" type="presOf" srcId="{EEE125CD-38F8-4189-88B3-953DE5B9FFDB}" destId="{0557B07F-7E04-4A79-B502-B3797DFC393D}" srcOrd="0" destOrd="0" presId="urn:microsoft.com/office/officeart/2008/layout/CircularPictureCallout"/>
-    <dgm:cxn modelId="{6D81A1FA-40AE-4FCC-B5F3-93DDE95A4331}" srcId="{9F8E4C0B-623C-4D97-9D44-DA0DBAA4E87B}" destId="{BDA0EC43-D444-4559-A1B6-2E39B87D8493}" srcOrd="1" destOrd="0" parTransId="{1163F0B7-B90B-4327-B7F0-CF4FE88613E9}" sibTransId="{8F7E9173-77D6-4196-99D8-B67B6DEDA9DB}"/>
-    <dgm:cxn modelId="{98E0B630-8C5A-40AE-BDE1-298E3BFBDB21}" type="presOf" srcId="{3FAAEF66-A61B-48D0-AD82-6370347DAA8B}" destId="{29F70E9E-E627-4840-909A-0B36E1210DDC}" srcOrd="0" destOrd="0" presId="urn:microsoft.com/office/officeart/2008/layout/CircularPictureCallout"/>
-    <dgm:cxn modelId="{637920E9-217D-498B-8FD7-132FDE85EB28}" srcId="{9F8E4C0B-623C-4D97-9D44-DA0DBAA4E87B}" destId="{0605B51D-3CFF-4E72-BBD2-2C6CF8975A98}" srcOrd="2" destOrd="0" parTransId="{44CA85D8-788E-4EB5-8CEE-FD4CF480A485}" sibTransId="{85FA7B54-3938-464A-B0B5-4BF50247280A}"/>
-    <dgm:cxn modelId="{FF89F24F-4DF1-42AD-8BFD-F1BE64E9FBCC}" type="presOf" srcId="{8DAE89AE-0CD3-4886-819A-4D33EED854C3}" destId="{F028B57E-D49E-45E1-BB54-E440B8979882}" srcOrd="0" destOrd="0" presId="urn:microsoft.com/office/officeart/2008/layout/CircularPictureCallout"/>
-    <dgm:cxn modelId="{47191092-0770-402C-8580-DED075F310E9}" type="presOf" srcId="{A8EBBDDD-3F5F-417F-B418-B56C0950D65A}" destId="{D44149A6-3C7D-428F-AA90-BF94D9C6334E}" srcOrd="0" destOrd="0" presId="urn:microsoft.com/office/officeart/2008/layout/CircularPictureCallout"/>
-    <dgm:cxn modelId="{EA7EB9EE-1B63-4981-8BB8-54C75B079A3E}" srcId="{9F8E4C0B-623C-4D97-9D44-DA0DBAA4E87B}" destId="{3FAAEF66-A61B-48D0-AD82-6370347DAA8B}" srcOrd="0" destOrd="0" parTransId="{E7AB5F41-B244-47E3-8F57-77377481B88E}" sibTransId="{EEE125CD-38F8-4189-88B3-953DE5B9FFDB}"/>
     <dgm:cxn modelId="{F95FE88B-6064-41C0-937D-F458E4B56CF9}" type="presOf" srcId="{0605B51D-3CFF-4E72-BBD2-2C6CF8975A98}" destId="{F433C063-CEE2-49F3-ADF6-F4C591B1ED0B}" srcOrd="0" destOrd="0" presId="urn:microsoft.com/office/officeart/2008/layout/CircularPictureCallout"/>
-    <dgm:cxn modelId="{AE557988-85EF-48DE-A2B6-0EFC0ABE21BE}" type="presOf" srcId="{6DAA0197-0399-41CD-BAFD-563800365B53}" destId="{ABE9A04C-A94F-4FED-9D7D-8F94A2E08D80}" srcOrd="0" destOrd="0" presId="urn:microsoft.com/office/officeart/2008/layout/CircularPictureCallout"/>
-    <dgm:cxn modelId="{338FAC96-A67E-4309-8ADD-FC6DA6F174C2}" type="presOf" srcId="{8F7E9173-77D6-4196-99D8-B67B6DEDA9DB}" destId="{88AE1345-C2D1-4DCD-B1F0-D1235F920DA3}" srcOrd="0" destOrd="0" presId="urn:microsoft.com/office/officeart/2008/layout/CircularPictureCallout"/>
     <dgm:cxn modelId="{35B34C55-593A-4FBA-A123-633AB8AC2EB5}" type="presParOf" srcId="{E81A35EC-2EE4-443B-8063-F1059E237A7C}" destId="{08C77E08-FF8A-4BFE-936C-DEFD6AF14F22}" srcOrd="0" destOrd="0" presId="urn:microsoft.com/office/officeart/2008/layout/CircularPictureCallout"/>
     <dgm:cxn modelId="{46306388-3ACB-4949-8627-DEFA8E95B094}" type="presParOf" srcId="{08C77E08-FF8A-4BFE-936C-DEFD6AF14F22}" destId="{D0E6547E-0DDB-4288-B190-6CA21E3FA57F}" srcOrd="0" destOrd="0" presId="urn:microsoft.com/office/officeart/2008/layout/CircularPictureCallout"/>
     <dgm:cxn modelId="{F6540CB3-D4A8-4A28-B281-EBDC9A50CA68}" type="presParOf" srcId="{D0E6547E-0DDB-4288-B190-6CA21E3FA57F}" destId="{0557B07F-7E04-4A79-B502-B3797DFC393D}" srcOrd="0" destOrd="0" presId="urn:microsoft.com/office/officeart/2008/layout/CircularPictureCallout"/>
@@ -2488,8 +2552,8 @@
     <dgm:cxn modelId="{C2FE49B7-A2AB-4675-A242-72542EC74E8B}" srcId="{93E2358B-595F-49C1-9B78-889A75091FD6}" destId="{94418E48-5333-4B4C-8D86-DB49F154BFC2}" srcOrd="0" destOrd="0" parTransId="{19B25E81-E4D7-4492-A5A6-B273238016C6}" sibTransId="{48F33A99-A0CD-4873-BA72-2A5C9476FE4F}"/>
     <dgm:cxn modelId="{1CB29326-FC16-46EB-90D2-F33A487267AC}" srcId="{A42C9354-AA82-4DA5-8F40-553D10BB720B}" destId="{E2BE9E73-38CA-4290-A4EC-A279EBCA64AB}" srcOrd="0" destOrd="0" parTransId="{D395CB43-86B6-4FE5-8560-A7EE760154CC}" sibTransId="{D8899642-C7AE-4808-8F67-C55EA16732EF}"/>
     <dgm:cxn modelId="{160BBD3A-E840-4742-B724-9F917A85616D}" type="presOf" srcId="{94418E48-5333-4B4C-8D86-DB49F154BFC2}" destId="{DDEC436C-CF4F-482D-9A2D-1A7869228A8A}" srcOrd="0" destOrd="0" presId="urn:microsoft.com/office/officeart/2005/8/layout/list1"/>
+    <dgm:cxn modelId="{4529B95C-9DA8-4A56-B70D-5C4195E799A4}" srcId="{78E0D03A-9C71-4119-AE39-F0C1185C4909}" destId="{A42C9354-AA82-4DA5-8F40-553D10BB720B}" srcOrd="1" destOrd="0" parTransId="{54E4382A-0C6F-4D4C-92F8-72F2E3D3A143}" sibTransId="{01FB5615-3259-459C-ACCE-C410DE16EB5E}"/>
     <dgm:cxn modelId="{FD2FDC3E-C37D-4AAC-BF69-478FA45AEC7B}" type="presOf" srcId="{3C661FAD-2BAB-490F-BA9A-B24F936CE162}" destId="{E5BF108F-B860-423A-842E-54E1A294B59E}" srcOrd="0" destOrd="1" presId="urn:microsoft.com/office/officeart/2005/8/layout/list1"/>
-    <dgm:cxn modelId="{4529B95C-9DA8-4A56-B70D-5C4195E799A4}" srcId="{78E0D03A-9C71-4119-AE39-F0C1185C4909}" destId="{A42C9354-AA82-4DA5-8F40-553D10BB720B}" srcOrd="1" destOrd="0" parTransId="{54E4382A-0C6F-4D4C-92F8-72F2E3D3A143}" sibTransId="{01FB5615-3259-459C-ACCE-C410DE16EB5E}"/>
     <dgm:cxn modelId="{CC38E250-3A04-4DDC-806F-B92DC4F01892}" srcId="{93E2358B-595F-49C1-9B78-889A75091FD6}" destId="{27478B4E-F734-46F0-A78F-44F84F9F7675}" srcOrd="1" destOrd="0" parTransId="{D67FBCF4-964B-47C8-B87F-99B89A9A572F}" sibTransId="{81BAF095-CB9A-4062-9F50-AE82DFC0E65F}"/>
     <dgm:cxn modelId="{FFC4B089-0FF1-4E50-A72A-8DCA7ABD59DF}" srcId="{A42C9354-AA82-4DA5-8F40-553D10BB720B}" destId="{3C661FAD-2BAB-490F-BA9A-B24F936CE162}" srcOrd="1" destOrd="0" parTransId="{47BE6A49-3F9E-4436-9CB6-F0DB8585CE5F}" sibTransId="{F7B214D0-01D1-4AAA-9146-BD6DF2B68242}"/>
     <dgm:cxn modelId="{2D2FC90A-6CA4-4693-A116-C0CE54D7B7C9}" type="presOf" srcId="{93E2358B-595F-49C1-9B78-889A75091FD6}" destId="{C88D8599-0613-4F26-B680-8491C39E1DE1}" srcOrd="0" destOrd="0" presId="urn:microsoft.com/office/officeart/2005/8/layout/list1"/>
@@ -3244,6 +3308,352 @@
       <dsp:cNvGrpSpPr/>
     </dsp:nvGrpSpPr>
     <dsp:grpSpPr/>
+    <dsp:sp modelId="{DDEC436C-CF4F-482D-9A2D-1A7869228A8A}">
+      <dsp:nvSpPr>
+        <dsp:cNvPr id="0" name=""/>
+        <dsp:cNvSpPr/>
+      </dsp:nvSpPr>
+      <dsp:spPr>
+        <a:xfrm>
+          <a:off x="0" y="506175"/>
+          <a:ext cx="8229600" cy="1593900"/>
+        </a:xfrm>
+        <a:prstGeom prst="rect">
+          <a:avLst/>
+        </a:prstGeom>
+        <a:solidFill>
+          <a:schemeClr val="lt1">
+            <a:alpha val="90000"/>
+            <a:hueOff val="0"/>
+            <a:satOff val="0"/>
+            <a:lumOff val="0"/>
+            <a:alphaOff val="0"/>
+          </a:schemeClr>
+        </a:solidFill>
+        <a:ln w="19050" cap="flat" cmpd="sng" algn="ctr">
+          <a:solidFill>
+            <a:schemeClr val="accent1">
+              <a:hueOff val="0"/>
+              <a:satOff val="0"/>
+              <a:lumOff val="0"/>
+              <a:alphaOff val="0"/>
+            </a:schemeClr>
+          </a:solidFill>
+          <a:prstDash val="solid"/>
+        </a:ln>
+        <a:effectLst/>
+      </dsp:spPr>
+      <dsp:style>
+        <a:lnRef idx="2">
+          <a:scrgbClr r="0" g="0" b="0"/>
+        </a:lnRef>
+        <a:fillRef idx="1">
+          <a:scrgbClr r="0" g="0" b="0"/>
+        </a:fillRef>
+        <a:effectRef idx="0">
+          <a:scrgbClr r="0" g="0" b="0"/>
+        </a:effectRef>
+        <a:fontRef idx="minor"/>
+      </dsp:style>
+      <dsp:txBody>
+        <a:bodyPr spcFirstLastPara="0" vert="horz" wrap="square" lIns="638708" tIns="479044" rIns="638708" bIns="163576" numCol="1" spcCol="1270" anchor="t" anchorCtr="0">
+          <a:noAutofit/>
+        </a:bodyPr>
+        <a:lstStyle/>
+        <a:p>
+          <a:pPr marL="228600" lvl="1" indent="-228600" algn="l" defTabSz="1022350">
+            <a:lnSpc>
+              <a:spcPct val="90000"/>
+            </a:lnSpc>
+            <a:spcBef>
+              <a:spcPct val="0"/>
+            </a:spcBef>
+            <a:spcAft>
+              <a:spcPct val="15000"/>
+            </a:spcAft>
+            <a:buChar char="••"/>
+          </a:pPr>
+          <a:r>
+            <a:rPr lang="fr-FR" sz="2300" kern="1200" dirty="0" smtClean="0"/>
+            <a:t>Créé en 1991 lors du lancement du Web</a:t>
+          </a:r>
+          <a:endParaRPr lang="fr-FR" sz="2300" kern="1200" dirty="0"/>
+        </a:p>
+        <a:p>
+          <a:pPr marL="228600" lvl="1" indent="-228600" algn="l" defTabSz="1022350">
+            <a:lnSpc>
+              <a:spcPct val="90000"/>
+            </a:lnSpc>
+            <a:spcBef>
+              <a:spcPct val="0"/>
+            </a:spcBef>
+            <a:spcAft>
+              <a:spcPct val="15000"/>
+            </a:spcAft>
+            <a:buChar char="••"/>
+          </a:pPr>
+          <a:r>
+            <a:rPr lang="fr-FR" sz="2300" kern="1200" dirty="0" smtClean="0"/>
+            <a:t>Utilisé pour gérer et organiser le contenu de la page (textes, liens, images…)</a:t>
+          </a:r>
+          <a:endParaRPr lang="fr-FR" sz="2300" kern="1200" dirty="0"/>
+        </a:p>
+      </dsp:txBody>
+      <dsp:txXfrm>
+        <a:off x="0" y="506175"/>
+        <a:ext cx="8229600" cy="1593900"/>
+      </dsp:txXfrm>
+    </dsp:sp>
+    <dsp:sp modelId="{3C40BC79-0E6E-4EF0-B1D8-FB0238D70CE3}">
+      <dsp:nvSpPr>
+        <dsp:cNvPr id="0" name=""/>
+        <dsp:cNvSpPr/>
+      </dsp:nvSpPr>
+      <dsp:spPr>
+        <a:xfrm>
+          <a:off x="411480" y="166695"/>
+          <a:ext cx="5760720" cy="678960"/>
+        </a:xfrm>
+        <a:prstGeom prst="roundRect">
+          <a:avLst/>
+        </a:prstGeom>
+        <a:solidFill>
+          <a:schemeClr val="accent1">
+            <a:hueOff val="0"/>
+            <a:satOff val="0"/>
+            <a:lumOff val="0"/>
+            <a:alphaOff val="0"/>
+          </a:schemeClr>
+        </a:solidFill>
+        <a:ln w="19050" cap="flat" cmpd="sng" algn="ctr">
+          <a:solidFill>
+            <a:schemeClr val="lt1">
+              <a:hueOff val="0"/>
+              <a:satOff val="0"/>
+              <a:lumOff val="0"/>
+              <a:alphaOff val="0"/>
+            </a:schemeClr>
+          </a:solidFill>
+          <a:prstDash val="solid"/>
+        </a:ln>
+        <a:effectLst/>
+      </dsp:spPr>
+      <dsp:style>
+        <a:lnRef idx="2">
+          <a:scrgbClr r="0" g="0" b="0"/>
+        </a:lnRef>
+        <a:fillRef idx="1">
+          <a:scrgbClr r="0" g="0" b="0"/>
+        </a:fillRef>
+        <a:effectRef idx="0">
+          <a:scrgbClr r="0" g="0" b="0"/>
+        </a:effectRef>
+        <a:fontRef idx="minor">
+          <a:schemeClr val="lt1"/>
+        </a:fontRef>
+      </dsp:style>
+      <dsp:txBody>
+        <a:bodyPr spcFirstLastPara="0" vert="horz" wrap="square" lIns="217742" tIns="0" rIns="217742" bIns="0" numCol="1" spcCol="1270" anchor="ctr" anchorCtr="0">
+          <a:noAutofit/>
+        </a:bodyPr>
+        <a:lstStyle/>
+        <a:p>
+          <a:pPr lvl="0" algn="l" defTabSz="1022350">
+            <a:lnSpc>
+              <a:spcPct val="90000"/>
+            </a:lnSpc>
+            <a:spcBef>
+              <a:spcPct val="0"/>
+            </a:spcBef>
+            <a:spcAft>
+              <a:spcPct val="35000"/>
+            </a:spcAft>
+          </a:pPr>
+          <a:r>
+            <a:rPr lang="fr-FR" sz="2300" kern="1200" dirty="0" smtClean="0"/>
+            <a:t>Le HTML</a:t>
+          </a:r>
+          <a:endParaRPr lang="fr-FR" sz="2300" kern="1200" dirty="0"/>
+        </a:p>
+      </dsp:txBody>
+      <dsp:txXfrm>
+        <a:off x="444624" y="199839"/>
+        <a:ext cx="5694432" cy="612672"/>
+      </dsp:txXfrm>
+    </dsp:sp>
+    <dsp:sp modelId="{E5BF108F-B860-423A-842E-54E1A294B59E}">
+      <dsp:nvSpPr>
+        <dsp:cNvPr id="0" name=""/>
+        <dsp:cNvSpPr/>
+      </dsp:nvSpPr>
+      <dsp:spPr>
+        <a:xfrm>
+          <a:off x="0" y="2563755"/>
+          <a:ext cx="8229600" cy="1593900"/>
+        </a:xfrm>
+        <a:prstGeom prst="rect">
+          <a:avLst/>
+        </a:prstGeom>
+        <a:solidFill>
+          <a:schemeClr val="lt1">
+            <a:alpha val="90000"/>
+            <a:hueOff val="0"/>
+            <a:satOff val="0"/>
+            <a:lumOff val="0"/>
+            <a:alphaOff val="0"/>
+          </a:schemeClr>
+        </a:solidFill>
+        <a:ln w="19050" cap="flat" cmpd="sng" algn="ctr">
+          <a:solidFill>
+            <a:schemeClr val="accent1">
+              <a:hueOff val="0"/>
+              <a:satOff val="0"/>
+              <a:lumOff val="0"/>
+              <a:alphaOff val="0"/>
+            </a:schemeClr>
+          </a:solidFill>
+          <a:prstDash val="solid"/>
+        </a:ln>
+        <a:effectLst/>
+      </dsp:spPr>
+      <dsp:style>
+        <a:lnRef idx="2">
+          <a:scrgbClr r="0" g="0" b="0"/>
+        </a:lnRef>
+        <a:fillRef idx="1">
+          <a:scrgbClr r="0" g="0" b="0"/>
+        </a:fillRef>
+        <a:effectRef idx="0">
+          <a:scrgbClr r="0" g="0" b="0"/>
+        </a:effectRef>
+        <a:fontRef idx="minor"/>
+      </dsp:style>
+      <dsp:txBody>
+        <a:bodyPr spcFirstLastPara="0" vert="horz" wrap="square" lIns="638708" tIns="479044" rIns="638708" bIns="163576" numCol="1" spcCol="1270" anchor="t" anchorCtr="0">
+          <a:noAutofit/>
+        </a:bodyPr>
+        <a:lstStyle/>
+        <a:p>
+          <a:pPr marL="228600" lvl="1" indent="-228600" algn="l" defTabSz="1022350">
+            <a:lnSpc>
+              <a:spcPct val="90000"/>
+            </a:lnSpc>
+            <a:spcBef>
+              <a:spcPct val="0"/>
+            </a:spcBef>
+            <a:spcAft>
+              <a:spcPct val="15000"/>
+            </a:spcAft>
+            <a:buChar char="••"/>
+          </a:pPr>
+          <a:r>
+            <a:rPr lang="fr-FR" sz="2300" kern="1200" dirty="0" smtClean="0"/>
+            <a:t>Introduit en 1996 pour compléter le HTML</a:t>
+          </a:r>
+          <a:endParaRPr lang="fr-FR" sz="2300" kern="1200" dirty="0"/>
+        </a:p>
+        <a:p>
+          <a:pPr marL="228600" lvl="1" indent="-228600" algn="l" defTabSz="1022350">
+            <a:lnSpc>
+              <a:spcPct val="90000"/>
+            </a:lnSpc>
+            <a:spcBef>
+              <a:spcPct val="0"/>
+            </a:spcBef>
+            <a:spcAft>
+              <a:spcPct val="15000"/>
+            </a:spcAft>
+            <a:buChar char="••"/>
+          </a:pPr>
+          <a:r>
+            <a:rPr lang="fr-FR" sz="2300" kern="1200" dirty="0" smtClean="0"/>
+            <a:t>Utilisé pour gérer l’apparence de la page (agencement, décoration, couleurs, taille du texte…)</a:t>
+          </a:r>
+          <a:endParaRPr lang="fr-FR" sz="2300" kern="1200" dirty="0"/>
+        </a:p>
+      </dsp:txBody>
+      <dsp:txXfrm>
+        <a:off x="0" y="2563755"/>
+        <a:ext cx="8229600" cy="1593900"/>
+      </dsp:txXfrm>
+    </dsp:sp>
+    <dsp:sp modelId="{B22E0314-E354-4599-8DC3-F00AC1D37202}">
+      <dsp:nvSpPr>
+        <dsp:cNvPr id="0" name=""/>
+        <dsp:cNvSpPr/>
+      </dsp:nvSpPr>
+      <dsp:spPr>
+        <a:xfrm>
+          <a:off x="411480" y="2224275"/>
+          <a:ext cx="5760720" cy="678960"/>
+        </a:xfrm>
+        <a:prstGeom prst="roundRect">
+          <a:avLst/>
+        </a:prstGeom>
+        <a:solidFill>
+          <a:schemeClr val="accent1">
+            <a:hueOff val="0"/>
+            <a:satOff val="0"/>
+            <a:lumOff val="0"/>
+            <a:alphaOff val="0"/>
+          </a:schemeClr>
+        </a:solidFill>
+        <a:ln w="19050" cap="flat" cmpd="sng" algn="ctr">
+          <a:solidFill>
+            <a:schemeClr val="lt1">
+              <a:hueOff val="0"/>
+              <a:satOff val="0"/>
+              <a:lumOff val="0"/>
+              <a:alphaOff val="0"/>
+            </a:schemeClr>
+          </a:solidFill>
+          <a:prstDash val="solid"/>
+        </a:ln>
+        <a:effectLst/>
+      </dsp:spPr>
+      <dsp:style>
+        <a:lnRef idx="2">
+          <a:scrgbClr r="0" g="0" b="0"/>
+        </a:lnRef>
+        <a:fillRef idx="1">
+          <a:scrgbClr r="0" g="0" b="0"/>
+        </a:fillRef>
+        <a:effectRef idx="0">
+          <a:scrgbClr r="0" g="0" b="0"/>
+        </a:effectRef>
+        <a:fontRef idx="minor">
+          <a:schemeClr val="lt1"/>
+        </a:fontRef>
+      </dsp:style>
+      <dsp:txBody>
+        <a:bodyPr spcFirstLastPara="0" vert="horz" wrap="square" lIns="217742" tIns="0" rIns="217742" bIns="0" numCol="1" spcCol="1270" anchor="ctr" anchorCtr="0">
+          <a:noAutofit/>
+        </a:bodyPr>
+        <a:lstStyle/>
+        <a:p>
+          <a:pPr lvl="0" algn="l" defTabSz="1022350">
+            <a:lnSpc>
+              <a:spcPct val="90000"/>
+            </a:lnSpc>
+            <a:spcBef>
+              <a:spcPct val="0"/>
+            </a:spcBef>
+            <a:spcAft>
+              <a:spcPct val="35000"/>
+            </a:spcAft>
+          </a:pPr>
+          <a:r>
+            <a:rPr lang="fr-FR" sz="2300" kern="1200" dirty="0" smtClean="0"/>
+            <a:t>Le CSS</a:t>
+          </a:r>
+          <a:endParaRPr lang="fr-FR" sz="2300" kern="1200" dirty="0"/>
+        </a:p>
+      </dsp:txBody>
+      <dsp:txXfrm>
+        <a:off x="444624" y="2257419"/>
+        <a:ext cx="5694432" cy="612672"/>
+      </dsp:txXfrm>
+    </dsp:sp>
   </dsp:spTree>
 </dsp:drawing>
 </file>
@@ -7607,7 +8017,7 @@
           <a:p>
             <a:fld id="{AA309A6D-C09C-4548-B29A-6CF363A7E532}" type="datetimeFigureOut">
               <a:rPr lang="fr-FR" smtClean="0"/>
-              <a:t>07/09/2017</a:t>
+              <a:t>17/09/2017</a:t>
             </a:fld>
             <a:endParaRPr lang="fr-BE"/>
           </a:p>
@@ -7790,7 +8200,7 @@
           <a:p>
             <a:fld id="{AA309A6D-C09C-4548-B29A-6CF363A7E532}" type="datetimeFigureOut">
               <a:rPr lang="fr-FR" smtClean="0"/>
-              <a:t>07/09/2017</a:t>
+              <a:t>17/09/2017</a:t>
             </a:fld>
             <a:endParaRPr lang="fr-BE"/>
           </a:p>
@@ -7965,7 +8375,7 @@
           <a:p>
             <a:fld id="{AA309A6D-C09C-4548-B29A-6CF363A7E532}" type="datetimeFigureOut">
               <a:rPr lang="fr-FR" smtClean="0"/>
-              <a:t>07/09/2017</a:t>
+              <a:t>17/09/2017</a:t>
             </a:fld>
             <a:endParaRPr lang="fr-BE"/>
           </a:p>
@@ -8130,7 +8540,7 @@
           <a:p>
             <a:fld id="{AA309A6D-C09C-4548-B29A-6CF363A7E532}" type="datetimeFigureOut">
               <a:rPr lang="fr-FR" smtClean="0"/>
-              <a:t>07/09/2017</a:t>
+              <a:t>17/09/2017</a:t>
             </a:fld>
             <a:endParaRPr lang="fr-BE"/>
           </a:p>
@@ -8351,7 +8761,7 @@
           <a:p>
             <a:fld id="{AA309A6D-C09C-4548-B29A-6CF363A7E532}" type="datetimeFigureOut">
               <a:rPr lang="fr-FR" smtClean="0"/>
-              <a:t>07/09/2017</a:t>
+              <a:t>17/09/2017</a:t>
             </a:fld>
             <a:endParaRPr lang="fr-BE"/>
           </a:p>
@@ -8610,7 +9020,7 @@
           <a:p>
             <a:fld id="{AA309A6D-C09C-4548-B29A-6CF363A7E532}" type="datetimeFigureOut">
               <a:rPr lang="fr-FR" smtClean="0"/>
-              <a:t>07/09/2017</a:t>
+              <a:t>17/09/2017</a:t>
             </a:fld>
             <a:endParaRPr lang="fr-BE"/>
           </a:p>
@@ -9014,7 +9424,7 @@
           <a:p>
             <a:fld id="{AA309A6D-C09C-4548-B29A-6CF363A7E532}" type="datetimeFigureOut">
               <a:rPr lang="fr-FR" smtClean="0"/>
-              <a:t>07/09/2017</a:t>
+              <a:t>17/09/2017</a:t>
             </a:fld>
             <a:endParaRPr lang="fr-BE"/>
           </a:p>
@@ -9145,7 +9555,7 @@
           <a:p>
             <a:fld id="{AA309A6D-C09C-4548-B29A-6CF363A7E532}" type="datetimeFigureOut">
               <a:rPr lang="fr-FR" smtClean="0"/>
-              <a:t>07/09/2017</a:t>
+              <a:t>17/09/2017</a:t>
             </a:fld>
             <a:endParaRPr lang="fr-BE"/>
           </a:p>
@@ -9245,7 +9655,7 @@
           <a:p>
             <a:fld id="{AA309A6D-C09C-4548-B29A-6CF363A7E532}" type="datetimeFigureOut">
               <a:rPr lang="fr-FR" smtClean="0"/>
-              <a:t>07/09/2017</a:t>
+              <a:t>17/09/2017</a:t>
             </a:fld>
             <a:endParaRPr lang="fr-BE"/>
           </a:p>
@@ -9490,7 +9900,7 @@
           <a:p>
             <a:fld id="{AA309A6D-C09C-4548-B29A-6CF363A7E532}" type="datetimeFigureOut">
               <a:rPr lang="fr-FR" smtClean="0"/>
-              <a:t>07/09/2017</a:t>
+              <a:t>17/09/2017</a:t>
             </a:fld>
             <a:endParaRPr lang="fr-BE"/>
           </a:p>
@@ -9734,7 +10144,7 @@
           <a:p>
             <a:fld id="{AA309A6D-C09C-4548-B29A-6CF363A7E532}" type="datetimeFigureOut">
               <a:rPr lang="fr-FR" smtClean="0"/>
-              <a:t>07/09/2017</a:t>
+              <a:t>17/09/2017</a:t>
             </a:fld>
             <a:endParaRPr lang="fr-BE"/>
           </a:p>
@@ -10558,7 +10968,7 @@
           <a:p>
             <a:fld id="{AA309A6D-C09C-4548-B29A-6CF363A7E532}" type="datetimeFigureOut">
               <a:rPr lang="fr-FR" smtClean="0"/>
-              <a:t>07/09/2017</a:t>
+              <a:t>17/09/2017</a:t>
             </a:fld>
             <a:endParaRPr lang="fr-BE"/>
           </a:p>
@@ -11126,7 +11536,11 @@
           <a:bodyPr/>
           <a:lstStyle/>
           <a:p>
-            <a:endParaRPr lang="fr-FR"/>
+            <a:r>
+              <a:rPr lang="fr-FR" dirty="0" smtClean="0"/>
+              <a:t>Notre première page web</a:t>
+            </a:r>
+            <a:endParaRPr lang="fr-FR" dirty="0"/>
           </a:p>
         </p:txBody>
       </p:sp>
@@ -11145,10 +11559,694 @@
           <a:bodyPr/>
           <a:lstStyle/>
           <a:p>
-            <a:endParaRPr lang="fr-FR"/>
+            <a:r>
+              <a:rPr lang="fr-FR" dirty="0" smtClean="0"/>
+              <a:t>Lancer Notepad++</a:t>
+            </a:r>
+          </a:p>
+          <a:p>
+            <a:r>
+              <a:rPr lang="fr-FR" dirty="0" smtClean="0"/>
+              <a:t>Créer un nouveau document</a:t>
+            </a:r>
+          </a:p>
+          <a:p>
+            <a:r>
+              <a:rPr lang="fr-FR" dirty="0" smtClean="0"/>
+              <a:t>Saisir le texte de votre page</a:t>
+            </a:r>
+          </a:p>
+          <a:p>
+            <a:pPr marL="109728" indent="0">
+              <a:buNone/>
+            </a:pPr>
+            <a:endParaRPr lang="fr-FR" dirty="0"/>
+          </a:p>
+          <a:p>
+            <a:r>
+              <a:rPr lang="fr-FR" dirty="0" smtClean="0"/>
+              <a:t>Enregistrer votre fichier </a:t>
+            </a:r>
+            <a:r>
+              <a:rPr lang="fr-FR" dirty="0" smtClean="0">
+                <a:solidFill>
+                  <a:srgbClr val="C00000"/>
+                </a:solidFill>
+              </a:rPr>
+              <a:t>avec l’extension .html</a:t>
+            </a:r>
+            <a:r>
+              <a:rPr lang="fr-FR" dirty="0" smtClean="0"/>
+              <a:t/>
+            </a:r>
+            <a:br>
+              <a:rPr lang="fr-FR" dirty="0" smtClean="0"/>
+            </a:br>
+            <a:endParaRPr lang="fr-FR" dirty="0"/>
           </a:p>
         </p:txBody>
       </p:sp>
+      <p:pic>
+        <p:nvPicPr>
+          <p:cNvPr id="4" name="Image 3"/>
+          <p:cNvPicPr>
+            <a:picLocks noChangeAspect="1"/>
+          </p:cNvPicPr>
+          <p:nvPr/>
+        </p:nvPicPr>
+        <p:blipFill>
+          <a:blip r:embed="rId2">
+            <a:extLst>
+              <a:ext uri="{28A0092B-C50C-407E-A947-70E740481C1C}">
+                <a14:useLocalDpi xmlns:a14="http://schemas.microsoft.com/office/drawing/2010/main" val="0"/>
+              </a:ext>
+            </a:extLst>
+          </a:blip>
+          <a:stretch>
+            <a:fillRect/>
+          </a:stretch>
+        </p:blipFill>
+        <p:spPr>
+          <a:xfrm>
+            <a:off x="5580112" y="2708919"/>
+            <a:ext cx="1343212" cy="609685"/>
+          </a:xfrm>
+          <a:prstGeom prst="rect">
+            <a:avLst/>
+          </a:prstGeom>
+        </p:spPr>
+      </p:pic>
+      <p:pic>
+        <p:nvPicPr>
+          <p:cNvPr id="5" name="Image 4"/>
+          <p:cNvPicPr>
+            <a:picLocks noChangeAspect="1"/>
+          </p:cNvPicPr>
+          <p:nvPr/>
+        </p:nvPicPr>
+        <p:blipFill>
+          <a:blip r:embed="rId3">
+            <a:extLst>
+              <a:ext uri="{28A0092B-C50C-407E-A947-70E740481C1C}">
+                <a14:useLocalDpi xmlns:a14="http://schemas.microsoft.com/office/drawing/2010/main" val="0"/>
+              </a:ext>
+            </a:extLst>
+          </a:blip>
+          <a:stretch>
+            <a:fillRect/>
+          </a:stretch>
+        </p:blipFill>
+        <p:spPr>
+          <a:xfrm>
+            <a:off x="1979712" y="3717032"/>
+            <a:ext cx="3600400" cy="493417"/>
+          </a:xfrm>
+          <a:prstGeom prst="rect">
+            <a:avLst/>
+          </a:prstGeom>
+        </p:spPr>
+      </p:pic>
+      <p:pic>
+        <p:nvPicPr>
+          <p:cNvPr id="6" name="Image 5"/>
+          <p:cNvPicPr>
+            <a:picLocks noChangeAspect="1"/>
+          </p:cNvPicPr>
+          <p:nvPr/>
+        </p:nvPicPr>
+        <p:blipFill>
+          <a:blip r:embed="rId4">
+            <a:extLst>
+              <a:ext uri="{28A0092B-C50C-407E-A947-70E740481C1C}">
+                <a14:useLocalDpi xmlns:a14="http://schemas.microsoft.com/office/drawing/2010/main" val="0"/>
+              </a:ext>
+            </a:extLst>
+          </a:blip>
+          <a:stretch>
+            <a:fillRect/>
+          </a:stretch>
+        </p:blipFill>
+        <p:spPr>
+          <a:xfrm>
+            <a:off x="899591" y="4725144"/>
+            <a:ext cx="1657581" cy="1810003"/>
+          </a:xfrm>
+          <a:prstGeom prst="rect">
+            <a:avLst/>
+          </a:prstGeom>
+        </p:spPr>
+      </p:pic>
+      <p:pic>
+        <p:nvPicPr>
+          <p:cNvPr id="7" name="Image 6"/>
+          <p:cNvPicPr>
+            <a:picLocks noChangeAspect="1"/>
+          </p:cNvPicPr>
+          <p:nvPr/>
+        </p:nvPicPr>
+        <p:blipFill>
+          <a:blip r:embed="rId5">
+            <a:extLst>
+              <a:ext uri="{28A0092B-C50C-407E-A947-70E740481C1C}">
+                <a14:useLocalDpi xmlns:a14="http://schemas.microsoft.com/office/drawing/2010/main" val="0"/>
+              </a:ext>
+            </a:extLst>
+          </a:blip>
+          <a:stretch>
+            <a:fillRect/>
+          </a:stretch>
+        </p:blipFill>
+        <p:spPr>
+          <a:xfrm>
+            <a:off x="3370003" y="5296723"/>
+            <a:ext cx="4420217" cy="333422"/>
+          </a:xfrm>
+          <a:prstGeom prst="rect">
+            <a:avLst/>
+          </a:prstGeom>
+        </p:spPr>
+      </p:pic>
+    </p:spTree>
+    <p:extLst>
+      <p:ext uri="{BB962C8B-B14F-4D97-AF65-F5344CB8AC3E}">
+        <p14:creationId xmlns:p14="http://schemas.microsoft.com/office/powerpoint/2010/main" val="3803086158"/>
+      </p:ext>
+    </p:extLst>
+  </p:cSld>
+  <p:clrMapOvr>
+    <a:masterClrMapping/>
+  </p:clrMapOvr>
+</p:sld>
+</file>
+
+<file path=ppt/slides/slide11.xml><?xml version="1.0" encoding="utf-8"?>
+<p:sld xmlns:a="http://schemas.openxmlformats.org/drawingml/2006/main" xmlns:r="http://schemas.openxmlformats.org/officeDocument/2006/relationships" xmlns:p="http://schemas.openxmlformats.org/presentationml/2006/main">
+  <p:cSld>
+    <p:spTree>
+      <p:nvGrpSpPr>
+        <p:cNvPr id="1" name=""/>
+        <p:cNvGrpSpPr/>
+        <p:nvPr/>
+      </p:nvGrpSpPr>
+      <p:grpSpPr>
+        <a:xfrm>
+          <a:off x="0" y="0"/>
+          <a:ext cx="0" cy="0"/>
+          <a:chOff x="0" y="0"/>
+          <a:chExt cx="0" cy="0"/>
+        </a:xfrm>
+      </p:grpSpPr>
+      <p:sp>
+        <p:nvSpPr>
+          <p:cNvPr id="2" name="Titre 1"/>
+          <p:cNvSpPr>
+            <a:spLocks noGrp="1"/>
+          </p:cNvSpPr>
+          <p:nvPr>
+            <p:ph type="title"/>
+          </p:nvPr>
+        </p:nvSpPr>
+        <p:spPr/>
+        <p:txBody>
+          <a:bodyPr/>
+          <a:lstStyle/>
+          <a:p>
+            <a:r>
+              <a:rPr lang="fr-FR" smtClean="0"/>
+              <a:t>Résultat</a:t>
+            </a:r>
+            <a:endParaRPr lang="fr-FR"/>
+          </a:p>
+        </p:txBody>
+      </p:sp>
+      <p:pic>
+        <p:nvPicPr>
+          <p:cNvPr id="7" name="Image 6"/>
+          <p:cNvPicPr>
+            <a:picLocks noChangeAspect="1"/>
+          </p:cNvPicPr>
+          <p:nvPr/>
+        </p:nvPicPr>
+        <p:blipFill>
+          <a:blip r:embed="rId2"/>
+          <a:stretch>
+            <a:fillRect/>
+          </a:stretch>
+        </p:blipFill>
+        <p:spPr>
+          <a:xfrm>
+            <a:off x="1835696" y="3789040"/>
+            <a:ext cx="5652467" cy="988548"/>
+          </a:xfrm>
+          <a:prstGeom prst="rect">
+            <a:avLst/>
+          </a:prstGeom>
+        </p:spPr>
+      </p:pic>
+      <p:sp>
+        <p:nvSpPr>
+          <p:cNvPr id="9" name="Rectangle 8"/>
+          <p:cNvSpPr/>
+          <p:nvPr/>
+        </p:nvSpPr>
+        <p:spPr>
+          <a:xfrm>
+            <a:off x="2627784" y="3861048"/>
+            <a:ext cx="1800200" cy="288032"/>
+          </a:xfrm>
+          <a:prstGeom prst="rect">
+            <a:avLst/>
+          </a:prstGeom>
+          <a:noFill/>
+          <a:ln w="28575">
+            <a:solidFill>
+              <a:schemeClr val="accent3"/>
+            </a:solidFill>
+          </a:ln>
+          <a:effectLst>
+            <a:outerShdw blurRad="50800" dist="38100" dir="5400000" algn="t" rotWithShape="0">
+              <a:prstClr val="black">
+                <a:alpha val="40000"/>
+              </a:prstClr>
+            </a:outerShdw>
+          </a:effectLst>
+        </p:spPr>
+        <p:style>
+          <a:lnRef idx="2">
+            <a:schemeClr val="accent1">
+              <a:shade val="50000"/>
+            </a:schemeClr>
+          </a:lnRef>
+          <a:fillRef idx="1">
+            <a:schemeClr val="accent1"/>
+          </a:fillRef>
+          <a:effectRef idx="0">
+            <a:schemeClr val="accent1"/>
+          </a:effectRef>
+          <a:fontRef idx="minor">
+            <a:schemeClr val="lt1"/>
+          </a:fontRef>
+        </p:style>
+        <p:txBody>
+          <a:bodyPr rtlCol="0" anchor="ctr"/>
+          <a:lstStyle/>
+          <a:p>
+            <a:pPr algn="ctr"/>
+            <a:endParaRPr lang="fr-FR"/>
+          </a:p>
+        </p:txBody>
+      </p:sp>
+      <p:sp>
+        <p:nvSpPr>
+          <p:cNvPr id="12" name="ZoneTexte 11"/>
+          <p:cNvSpPr txBox="1"/>
+          <p:nvPr/>
+        </p:nvSpPr>
+        <p:spPr>
+          <a:xfrm>
+            <a:off x="833730" y="2781355"/>
+            <a:ext cx="3594254" cy="369332"/>
+          </a:xfrm>
+          <a:prstGeom prst="rect">
+            <a:avLst/>
+          </a:prstGeom>
+          <a:noFill/>
+        </p:spPr>
+        <p:txBody>
+          <a:bodyPr wrap="none" rtlCol="0">
+            <a:spAutoFit/>
+          </a:bodyPr>
+          <a:lstStyle/>
+          <a:p>
+            <a:r>
+              <a:rPr lang="fr-FR" smtClean="0"/>
+              <a:t>L’adresse de la page est « locale »</a:t>
+            </a:r>
+            <a:endParaRPr lang="fr-FR"/>
+          </a:p>
+        </p:txBody>
+      </p:sp>
+      <p:cxnSp>
+        <p:nvCxnSpPr>
+          <p:cNvPr id="14" name="Connecteur droit 13"/>
+          <p:cNvCxnSpPr>
+            <a:stCxn id="9" idx="0"/>
+            <a:endCxn id="12" idx="2"/>
+          </p:cNvCxnSpPr>
+          <p:nvPr/>
+        </p:nvCxnSpPr>
+        <p:spPr>
+          <a:xfrm flipH="1" flipV="1">
+            <a:off x="2630857" y="3150687"/>
+            <a:ext cx="897027" cy="710361"/>
+          </a:xfrm>
+          <a:prstGeom prst="line">
+            <a:avLst/>
+          </a:prstGeom>
+          <a:ln w="19050"/>
+        </p:spPr>
+        <p:style>
+          <a:lnRef idx="1">
+            <a:schemeClr val="accent1"/>
+          </a:lnRef>
+          <a:fillRef idx="0">
+            <a:schemeClr val="accent1"/>
+          </a:fillRef>
+          <a:effectRef idx="0">
+            <a:schemeClr val="accent1"/>
+          </a:effectRef>
+          <a:fontRef idx="minor">
+            <a:schemeClr val="tx1"/>
+          </a:fontRef>
+        </p:style>
+      </p:cxnSp>
+      <p:sp>
+        <p:nvSpPr>
+          <p:cNvPr id="15" name="Rectangle 14"/>
+          <p:cNvSpPr/>
+          <p:nvPr/>
+        </p:nvSpPr>
+        <p:spPr>
+          <a:xfrm>
+            <a:off x="3419872" y="4355385"/>
+            <a:ext cx="216024" cy="288032"/>
+          </a:xfrm>
+          <a:prstGeom prst="rect">
+            <a:avLst/>
+          </a:prstGeom>
+          <a:noFill/>
+          <a:ln w="28575">
+            <a:solidFill>
+              <a:schemeClr val="accent3"/>
+            </a:solidFill>
+          </a:ln>
+          <a:effectLst>
+            <a:outerShdw blurRad="50800" dist="38100" dir="5400000" algn="t" rotWithShape="0">
+              <a:prstClr val="black">
+                <a:alpha val="40000"/>
+              </a:prstClr>
+            </a:outerShdw>
+          </a:effectLst>
+        </p:spPr>
+        <p:style>
+          <a:lnRef idx="2">
+            <a:schemeClr val="accent1">
+              <a:shade val="50000"/>
+            </a:schemeClr>
+          </a:lnRef>
+          <a:fillRef idx="1">
+            <a:schemeClr val="accent1"/>
+          </a:fillRef>
+          <a:effectRef idx="0">
+            <a:schemeClr val="accent1"/>
+          </a:effectRef>
+          <a:fontRef idx="minor">
+            <a:schemeClr val="lt1"/>
+          </a:fontRef>
+        </p:style>
+        <p:txBody>
+          <a:bodyPr rtlCol="0" anchor="ctr"/>
+          <a:lstStyle/>
+          <a:p>
+            <a:pPr algn="ctr"/>
+            <a:endParaRPr lang="fr-FR"/>
+          </a:p>
+        </p:txBody>
+      </p:sp>
+      <p:sp>
+        <p:nvSpPr>
+          <p:cNvPr id="16" name="Rectangle 15"/>
+          <p:cNvSpPr/>
+          <p:nvPr/>
+        </p:nvSpPr>
+        <p:spPr>
+          <a:xfrm>
+            <a:off x="5580112" y="4355385"/>
+            <a:ext cx="216024" cy="288032"/>
+          </a:xfrm>
+          <a:prstGeom prst="rect">
+            <a:avLst/>
+          </a:prstGeom>
+          <a:noFill/>
+          <a:ln w="28575">
+            <a:solidFill>
+              <a:schemeClr val="accent3"/>
+            </a:solidFill>
+          </a:ln>
+          <a:effectLst>
+            <a:outerShdw blurRad="50800" dist="38100" dir="5400000" algn="t" rotWithShape="0">
+              <a:prstClr val="black">
+                <a:alpha val="40000"/>
+              </a:prstClr>
+            </a:outerShdw>
+          </a:effectLst>
+        </p:spPr>
+        <p:style>
+          <a:lnRef idx="2">
+            <a:schemeClr val="accent1">
+              <a:shade val="50000"/>
+            </a:schemeClr>
+          </a:lnRef>
+          <a:fillRef idx="1">
+            <a:schemeClr val="accent1"/>
+          </a:fillRef>
+          <a:effectRef idx="0">
+            <a:schemeClr val="accent1"/>
+          </a:effectRef>
+          <a:fontRef idx="minor">
+            <a:schemeClr val="lt1"/>
+          </a:fontRef>
+        </p:style>
+        <p:txBody>
+          <a:bodyPr rtlCol="0" anchor="ctr"/>
+          <a:lstStyle/>
+          <a:p>
+            <a:pPr algn="ctr"/>
+            <a:endParaRPr lang="fr-FR"/>
+          </a:p>
+        </p:txBody>
+      </p:sp>
+      <p:sp>
+        <p:nvSpPr>
+          <p:cNvPr id="17" name="ZoneTexte 16"/>
+          <p:cNvSpPr txBox="1"/>
+          <p:nvPr/>
+        </p:nvSpPr>
+        <p:spPr>
+          <a:xfrm>
+            <a:off x="81829" y="5986874"/>
+            <a:ext cx="2760692" cy="646331"/>
+          </a:xfrm>
+          <a:prstGeom prst="rect">
+            <a:avLst/>
+          </a:prstGeom>
+          <a:noFill/>
+        </p:spPr>
+        <p:txBody>
+          <a:bodyPr wrap="none" rtlCol="0">
+            <a:spAutoFit/>
+          </a:bodyPr>
+          <a:lstStyle/>
+          <a:p>
+            <a:r>
+              <a:rPr lang="fr-FR" smtClean="0"/>
+              <a:t>Les accents ne s’affichent</a:t>
+            </a:r>
+          </a:p>
+          <a:p>
+            <a:r>
+              <a:rPr lang="fr-FR" smtClean="0"/>
+              <a:t>pas correctement</a:t>
+            </a:r>
+            <a:endParaRPr lang="fr-FR"/>
+          </a:p>
+        </p:txBody>
+      </p:sp>
+      <p:cxnSp>
+        <p:nvCxnSpPr>
+          <p:cNvPr id="18" name="Connecteur droit 17"/>
+          <p:cNvCxnSpPr>
+            <a:stCxn id="15" idx="2"/>
+            <a:endCxn id="17" idx="0"/>
+          </p:cNvCxnSpPr>
+          <p:nvPr/>
+        </p:nvCxnSpPr>
+        <p:spPr>
+          <a:xfrm flipH="1">
+            <a:off x="1462175" y="4643417"/>
+            <a:ext cx="2065709" cy="1343457"/>
+          </a:xfrm>
+          <a:prstGeom prst="line">
+            <a:avLst/>
+          </a:prstGeom>
+          <a:ln w="19050"/>
+        </p:spPr>
+        <p:style>
+          <a:lnRef idx="1">
+            <a:schemeClr val="accent1"/>
+          </a:lnRef>
+          <a:fillRef idx="0">
+            <a:schemeClr val="accent1"/>
+          </a:fillRef>
+          <a:effectRef idx="0">
+            <a:schemeClr val="accent1"/>
+          </a:effectRef>
+          <a:fontRef idx="minor">
+            <a:schemeClr val="tx1"/>
+          </a:fontRef>
+        </p:style>
+      </p:cxnSp>
+      <p:cxnSp>
+        <p:nvCxnSpPr>
+          <p:cNvPr id="21" name="Connecteur droit 20"/>
+          <p:cNvCxnSpPr>
+            <a:stCxn id="16" idx="2"/>
+            <a:endCxn id="17" idx="0"/>
+          </p:cNvCxnSpPr>
+          <p:nvPr/>
+        </p:nvCxnSpPr>
+        <p:spPr>
+          <a:xfrm flipH="1">
+            <a:off x="1462175" y="4643417"/>
+            <a:ext cx="4225949" cy="1343457"/>
+          </a:xfrm>
+          <a:prstGeom prst="line">
+            <a:avLst/>
+          </a:prstGeom>
+          <a:ln w="19050"/>
+        </p:spPr>
+        <p:style>
+          <a:lnRef idx="1">
+            <a:schemeClr val="accent1"/>
+          </a:lnRef>
+          <a:fillRef idx="0">
+            <a:schemeClr val="accent1"/>
+          </a:fillRef>
+          <a:effectRef idx="0">
+            <a:schemeClr val="accent1"/>
+          </a:effectRef>
+          <a:fontRef idx="minor">
+            <a:schemeClr val="tx1"/>
+          </a:fontRef>
+        </p:style>
+      </p:cxnSp>
+      <p:sp>
+        <p:nvSpPr>
+          <p:cNvPr id="24" name="Rectangle 23"/>
+          <p:cNvSpPr/>
+          <p:nvPr/>
+        </p:nvSpPr>
+        <p:spPr>
+          <a:xfrm>
+            <a:off x="4693112" y="4353414"/>
+            <a:ext cx="323130" cy="288032"/>
+          </a:xfrm>
+          <a:prstGeom prst="rect">
+            <a:avLst/>
+          </a:prstGeom>
+          <a:noFill/>
+          <a:ln w="28575">
+            <a:solidFill>
+              <a:schemeClr val="accent3"/>
+            </a:solidFill>
+          </a:ln>
+          <a:effectLst>
+            <a:outerShdw blurRad="50800" dist="38100" dir="5400000" algn="t" rotWithShape="0">
+              <a:prstClr val="black">
+                <a:alpha val="40000"/>
+              </a:prstClr>
+            </a:outerShdw>
+          </a:effectLst>
+        </p:spPr>
+        <p:style>
+          <a:lnRef idx="2">
+            <a:schemeClr val="accent1">
+              <a:shade val="50000"/>
+            </a:schemeClr>
+          </a:lnRef>
+          <a:fillRef idx="1">
+            <a:schemeClr val="accent1"/>
+          </a:fillRef>
+          <a:effectRef idx="0">
+            <a:schemeClr val="accent1"/>
+          </a:effectRef>
+          <a:fontRef idx="minor">
+            <a:schemeClr val="lt1"/>
+          </a:fontRef>
+        </p:style>
+        <p:txBody>
+          <a:bodyPr rtlCol="0" anchor="ctr"/>
+          <a:lstStyle/>
+          <a:p>
+            <a:pPr algn="ctr"/>
+            <a:endParaRPr lang="fr-FR"/>
+          </a:p>
+        </p:txBody>
+      </p:sp>
+      <p:sp>
+        <p:nvSpPr>
+          <p:cNvPr id="25" name="ZoneTexte 24"/>
+          <p:cNvSpPr txBox="1"/>
+          <p:nvPr/>
+        </p:nvSpPr>
+        <p:spPr>
+          <a:xfrm>
+            <a:off x="5364088" y="5947152"/>
+            <a:ext cx="3124573" cy="369332"/>
+          </a:xfrm>
+          <a:prstGeom prst="rect">
+            <a:avLst/>
+          </a:prstGeom>
+          <a:noFill/>
+        </p:spPr>
+        <p:txBody>
+          <a:bodyPr wrap="none" rtlCol="0">
+            <a:spAutoFit/>
+          </a:bodyPr>
+          <a:lstStyle/>
+          <a:p>
+            <a:r>
+              <a:rPr lang="fr-FR" smtClean="0"/>
+              <a:t>Il manque le retour à la ligne</a:t>
+            </a:r>
+            <a:endParaRPr lang="fr-FR"/>
+          </a:p>
+        </p:txBody>
+      </p:sp>
+      <p:cxnSp>
+        <p:nvCxnSpPr>
+          <p:cNvPr id="26" name="Connecteur droit 25"/>
+          <p:cNvCxnSpPr>
+            <a:stCxn id="24" idx="2"/>
+            <a:endCxn id="25" idx="0"/>
+          </p:cNvCxnSpPr>
+          <p:nvPr/>
+        </p:nvCxnSpPr>
+        <p:spPr>
+          <a:xfrm>
+            <a:off x="4854677" y="4641446"/>
+            <a:ext cx="2071698" cy="1305706"/>
+          </a:xfrm>
+          <a:prstGeom prst="line">
+            <a:avLst/>
+          </a:prstGeom>
+          <a:ln w="19050"/>
+        </p:spPr>
+        <p:style>
+          <a:lnRef idx="1">
+            <a:schemeClr val="accent1"/>
+          </a:lnRef>
+          <a:fillRef idx="0">
+            <a:schemeClr val="accent1"/>
+          </a:fillRef>
+          <a:effectRef idx="0">
+            <a:schemeClr val="accent1"/>
+          </a:effectRef>
+          <a:fontRef idx="minor">
+            <a:schemeClr val="tx1"/>
+          </a:fontRef>
+        </p:style>
+      </p:cxnSp>
     </p:spTree>
     <p:extLst>
       <p:ext uri="{BB962C8B-B14F-4D97-AF65-F5344CB8AC3E}">
@@ -12371,6 +13469,157 @@
       </p:grpSpPr>
       <p:sp>
         <p:nvSpPr>
+          <p:cNvPr id="4" name="Titre 3"/>
+          <p:cNvSpPr>
+            <a:spLocks noGrp="1"/>
+          </p:cNvSpPr>
+          <p:nvPr>
+            <p:ph type="title"/>
+          </p:nvPr>
+        </p:nvSpPr>
+        <p:spPr/>
+        <p:txBody>
+          <a:bodyPr/>
+          <a:lstStyle/>
+          <a:p>
+            <a:r>
+              <a:rPr lang="fr-FR" smtClean="0"/>
+              <a:t>HTML vs HTML/CSS</a:t>
+            </a:r>
+            <a:endParaRPr lang="fr-FR"/>
+          </a:p>
+        </p:txBody>
+      </p:sp>
+      <p:sp>
+        <p:nvSpPr>
+          <p:cNvPr id="5" name="Espace réservé du texte 4"/>
+          <p:cNvSpPr>
+            <a:spLocks noGrp="1"/>
+          </p:cNvSpPr>
+          <p:nvPr>
+            <p:ph type="body" idx="1"/>
+          </p:nvPr>
+        </p:nvSpPr>
+        <p:spPr/>
+        <p:txBody>
+          <a:bodyPr/>
+          <a:lstStyle/>
+          <a:p>
+            <a:r>
+              <a:rPr lang="fr-FR" smtClean="0"/>
+              <a:t>HTML (exemple 1)</a:t>
+            </a:r>
+            <a:endParaRPr lang="fr-FR"/>
+          </a:p>
+        </p:txBody>
+      </p:sp>
+      <p:sp>
+        <p:nvSpPr>
+          <p:cNvPr id="7" name="Espace réservé du texte 6"/>
+          <p:cNvSpPr>
+            <a:spLocks noGrp="1"/>
+          </p:cNvSpPr>
+          <p:nvPr>
+            <p:ph type="body" sz="half" idx="3"/>
+          </p:nvPr>
+        </p:nvSpPr>
+        <p:spPr/>
+        <p:txBody>
+          <a:bodyPr/>
+          <a:lstStyle/>
+          <a:p>
+            <a:r>
+              <a:rPr lang="fr-FR" smtClean="0"/>
+              <a:t>HTML/CSS (exemple 2)</a:t>
+            </a:r>
+            <a:endParaRPr lang="fr-FR"/>
+          </a:p>
+        </p:txBody>
+      </p:sp>
+      <p:pic>
+        <p:nvPicPr>
+          <p:cNvPr id="12" name="Espace réservé du contenu 11"/>
+          <p:cNvPicPr>
+            <a:picLocks noGrp="1" noChangeAspect="1"/>
+          </p:cNvPicPr>
+          <p:nvPr>
+            <p:ph sz="quarter" idx="2"/>
+          </p:nvPr>
+        </p:nvPicPr>
+        <p:blipFill>
+          <a:blip r:embed="rId2"/>
+          <a:stretch>
+            <a:fillRect/>
+          </a:stretch>
+        </p:blipFill>
+        <p:spPr>
+          <a:xfrm>
+            <a:off x="381000" y="3149805"/>
+            <a:ext cx="4041775" cy="3003139"/>
+          </a:xfrm>
+          <a:prstGeom prst="rect">
+            <a:avLst/>
+          </a:prstGeom>
+        </p:spPr>
+      </p:pic>
+      <p:pic>
+        <p:nvPicPr>
+          <p:cNvPr id="10" name="Espace réservé du contenu 9"/>
+          <p:cNvPicPr>
+            <a:picLocks noGrp="1" noChangeAspect="1"/>
+          </p:cNvPicPr>
+          <p:nvPr>
+            <p:ph sz="quarter" idx="4"/>
+          </p:nvPr>
+        </p:nvPicPr>
+        <p:blipFill>
+          <a:blip r:embed="rId3"/>
+          <a:stretch>
+            <a:fillRect/>
+          </a:stretch>
+        </p:blipFill>
+        <p:spPr>
+          <a:xfrm>
+            <a:off x="4718050" y="3008521"/>
+            <a:ext cx="4041775" cy="3285708"/>
+          </a:xfrm>
+          <a:prstGeom prst="rect">
+            <a:avLst/>
+          </a:prstGeom>
+        </p:spPr>
+      </p:pic>
+    </p:spTree>
+    <p:extLst>
+      <p:ext uri="{BB962C8B-B14F-4D97-AF65-F5344CB8AC3E}">
+        <p14:creationId xmlns:p14="http://schemas.microsoft.com/office/powerpoint/2010/main" val="3337312717"/>
+      </p:ext>
+    </p:extLst>
+  </p:cSld>
+  <p:clrMapOvr>
+    <a:masterClrMapping/>
+  </p:clrMapOvr>
+</p:sld>
+</file>
+
+<file path=ppt/slides/slide8.xml><?xml version="1.0" encoding="utf-8"?>
+<p:sld xmlns:a="http://schemas.openxmlformats.org/drawingml/2006/main" xmlns:r="http://schemas.openxmlformats.org/officeDocument/2006/relationships" xmlns:p="http://schemas.openxmlformats.org/presentationml/2006/main">
+  <p:cSld>
+    <p:spTree>
+      <p:nvGrpSpPr>
+        <p:cNvPr id="1" name=""/>
+        <p:cNvGrpSpPr/>
+        <p:nvPr/>
+      </p:nvGrpSpPr>
+      <p:grpSpPr>
+        <a:xfrm>
+          <a:off x="0" y="0"/>
+          <a:ext cx="0" cy="0"/>
+          <a:chOff x="0" y="0"/>
+          <a:chExt cx="0" cy="0"/>
+        </a:xfrm>
+      </p:grpSpPr>
+      <p:sp>
+        <p:nvSpPr>
           <p:cNvPr id="2" name="Titre 1"/>
           <p:cNvSpPr>
             <a:spLocks noGrp="1"/>
@@ -12549,7 +13798,7 @@
 </p:sld>
 </file>
 
-<file path=ppt/slides/slide8.xml><?xml version="1.0" encoding="utf-8"?>
+<file path=ppt/slides/slide9.xml><?xml version="1.0" encoding="utf-8"?>
 <p:sld xmlns:a="http://schemas.openxmlformats.org/drawingml/2006/main" xmlns:r="http://schemas.openxmlformats.org/officeDocument/2006/relationships" xmlns:p="http://schemas.openxmlformats.org/presentationml/2006/main">
   <p:cSld>
     <p:spTree>
@@ -12634,241 +13883,6 @@
     <p:extLst>
       <p:ext uri="{BB962C8B-B14F-4D97-AF65-F5344CB8AC3E}">
         <p14:creationId xmlns:p14="http://schemas.microsoft.com/office/powerpoint/2010/main" val="3814759460"/>
-      </p:ext>
-    </p:extLst>
-  </p:cSld>
-  <p:clrMapOvr>
-    <a:masterClrMapping/>
-  </p:clrMapOvr>
-</p:sld>
-</file>
-
-<file path=ppt/slides/slide9.xml><?xml version="1.0" encoding="utf-8"?>
-<p:sld xmlns:a="http://schemas.openxmlformats.org/drawingml/2006/main" xmlns:r="http://schemas.openxmlformats.org/officeDocument/2006/relationships" xmlns:p="http://schemas.openxmlformats.org/presentationml/2006/main">
-  <p:cSld>
-    <p:spTree>
-      <p:nvGrpSpPr>
-        <p:cNvPr id="1" name=""/>
-        <p:cNvGrpSpPr/>
-        <p:nvPr/>
-      </p:nvGrpSpPr>
-      <p:grpSpPr>
-        <a:xfrm>
-          <a:off x="0" y="0"/>
-          <a:ext cx="0" cy="0"/>
-          <a:chOff x="0" y="0"/>
-          <a:chExt cx="0" cy="0"/>
-        </a:xfrm>
-      </p:grpSpPr>
-      <p:sp>
-        <p:nvSpPr>
-          <p:cNvPr id="2" name="Titre 1"/>
-          <p:cNvSpPr>
-            <a:spLocks noGrp="1"/>
-          </p:cNvSpPr>
-          <p:nvPr>
-            <p:ph type="title"/>
-          </p:nvPr>
-        </p:nvSpPr>
-        <p:spPr/>
-        <p:txBody>
-          <a:bodyPr/>
-          <a:lstStyle/>
-          <a:p>
-            <a:r>
-              <a:rPr lang="fr-FR" dirty="0" smtClean="0"/>
-              <a:t>Notre première page web</a:t>
-            </a:r>
-            <a:endParaRPr lang="fr-FR" dirty="0"/>
-          </a:p>
-        </p:txBody>
-      </p:sp>
-      <p:sp>
-        <p:nvSpPr>
-          <p:cNvPr id="3" name="Espace réservé du contenu 2"/>
-          <p:cNvSpPr>
-            <a:spLocks noGrp="1"/>
-          </p:cNvSpPr>
-          <p:nvPr>
-            <p:ph idx="1"/>
-          </p:nvPr>
-        </p:nvSpPr>
-        <p:spPr/>
-        <p:txBody>
-          <a:bodyPr/>
-          <a:lstStyle/>
-          <a:p>
-            <a:r>
-              <a:rPr lang="fr-FR" dirty="0" smtClean="0"/>
-              <a:t>Lancer Notepad++</a:t>
-            </a:r>
-          </a:p>
-          <a:p>
-            <a:r>
-              <a:rPr lang="fr-FR" dirty="0" smtClean="0"/>
-              <a:t>Créer un nouveau document</a:t>
-            </a:r>
-          </a:p>
-          <a:p>
-            <a:r>
-              <a:rPr lang="fr-FR" dirty="0" smtClean="0"/>
-              <a:t>Saisir le texte de votre page</a:t>
-            </a:r>
-          </a:p>
-          <a:p>
-            <a:pPr marL="109728" indent="0">
-              <a:buNone/>
-            </a:pPr>
-            <a:endParaRPr lang="fr-FR" dirty="0"/>
-          </a:p>
-          <a:p>
-            <a:r>
-              <a:rPr lang="fr-FR" dirty="0" smtClean="0"/>
-              <a:t>Enregistrer votre fichier </a:t>
-            </a:r>
-            <a:r>
-              <a:rPr lang="fr-FR" dirty="0" smtClean="0">
-                <a:solidFill>
-                  <a:srgbClr val="C00000"/>
-                </a:solidFill>
-              </a:rPr>
-              <a:t>avec l’extension .html</a:t>
-            </a:r>
-            <a:r>
-              <a:rPr lang="fr-FR" dirty="0" smtClean="0"/>
-              <a:t/>
-            </a:r>
-            <a:br>
-              <a:rPr lang="fr-FR" dirty="0" smtClean="0"/>
-            </a:br>
-            <a:endParaRPr lang="fr-FR" dirty="0"/>
-          </a:p>
-        </p:txBody>
-      </p:sp>
-      <p:pic>
-        <p:nvPicPr>
-          <p:cNvPr id="4" name="Image 3"/>
-          <p:cNvPicPr>
-            <a:picLocks noChangeAspect="1"/>
-          </p:cNvPicPr>
-          <p:nvPr/>
-        </p:nvPicPr>
-        <p:blipFill>
-          <a:blip r:embed="rId2">
-            <a:extLst>
-              <a:ext uri="{28A0092B-C50C-407E-A947-70E740481C1C}">
-                <a14:useLocalDpi xmlns:a14="http://schemas.microsoft.com/office/drawing/2010/main" val="0"/>
-              </a:ext>
-            </a:extLst>
-          </a:blip>
-          <a:stretch>
-            <a:fillRect/>
-          </a:stretch>
-        </p:blipFill>
-        <p:spPr>
-          <a:xfrm>
-            <a:off x="5580112" y="2708919"/>
-            <a:ext cx="1343212" cy="609685"/>
-          </a:xfrm>
-          <a:prstGeom prst="rect">
-            <a:avLst/>
-          </a:prstGeom>
-        </p:spPr>
-      </p:pic>
-      <p:pic>
-        <p:nvPicPr>
-          <p:cNvPr id="5" name="Image 4"/>
-          <p:cNvPicPr>
-            <a:picLocks noChangeAspect="1"/>
-          </p:cNvPicPr>
-          <p:nvPr/>
-        </p:nvPicPr>
-        <p:blipFill>
-          <a:blip r:embed="rId3">
-            <a:extLst>
-              <a:ext uri="{28A0092B-C50C-407E-A947-70E740481C1C}">
-                <a14:useLocalDpi xmlns:a14="http://schemas.microsoft.com/office/drawing/2010/main" val="0"/>
-              </a:ext>
-            </a:extLst>
-          </a:blip>
-          <a:stretch>
-            <a:fillRect/>
-          </a:stretch>
-        </p:blipFill>
-        <p:spPr>
-          <a:xfrm>
-            <a:off x="1979712" y="3717032"/>
-            <a:ext cx="3600400" cy="493417"/>
-          </a:xfrm>
-          <a:prstGeom prst="rect">
-            <a:avLst/>
-          </a:prstGeom>
-        </p:spPr>
-      </p:pic>
-      <p:pic>
-        <p:nvPicPr>
-          <p:cNvPr id="6" name="Image 5"/>
-          <p:cNvPicPr>
-            <a:picLocks noChangeAspect="1"/>
-          </p:cNvPicPr>
-          <p:nvPr/>
-        </p:nvPicPr>
-        <p:blipFill>
-          <a:blip r:embed="rId4">
-            <a:extLst>
-              <a:ext uri="{28A0092B-C50C-407E-A947-70E740481C1C}">
-                <a14:useLocalDpi xmlns:a14="http://schemas.microsoft.com/office/drawing/2010/main" val="0"/>
-              </a:ext>
-            </a:extLst>
-          </a:blip>
-          <a:stretch>
-            <a:fillRect/>
-          </a:stretch>
-        </p:blipFill>
-        <p:spPr>
-          <a:xfrm>
-            <a:off x="899591" y="4725144"/>
-            <a:ext cx="1657581" cy="1810003"/>
-          </a:xfrm>
-          <a:prstGeom prst="rect">
-            <a:avLst/>
-          </a:prstGeom>
-        </p:spPr>
-      </p:pic>
-      <p:pic>
-        <p:nvPicPr>
-          <p:cNvPr id="7" name="Image 6"/>
-          <p:cNvPicPr>
-            <a:picLocks noChangeAspect="1"/>
-          </p:cNvPicPr>
-          <p:nvPr/>
-        </p:nvPicPr>
-        <p:blipFill>
-          <a:blip r:embed="rId5">
-            <a:extLst>
-              <a:ext uri="{28A0092B-C50C-407E-A947-70E740481C1C}">
-                <a14:useLocalDpi xmlns:a14="http://schemas.microsoft.com/office/drawing/2010/main" val="0"/>
-              </a:ext>
-            </a:extLst>
-          </a:blip>
-          <a:stretch>
-            <a:fillRect/>
-          </a:stretch>
-        </p:blipFill>
-        <p:spPr>
-          <a:xfrm>
-            <a:off x="3370003" y="5296723"/>
-            <a:ext cx="4420217" cy="333422"/>
-          </a:xfrm>
-          <a:prstGeom prst="rect">
-            <a:avLst/>
-          </a:prstGeom>
-        </p:spPr>
-      </p:pic>
-    </p:spTree>
-    <p:extLst>
-      <p:ext uri="{BB962C8B-B14F-4D97-AF65-F5344CB8AC3E}">
-        <p14:creationId xmlns:p14="http://schemas.microsoft.com/office/powerpoint/2010/main" val="3803086158"/>
       </p:ext>
     </p:extLst>
   </p:cSld>

--- a/TD1/TD1.pptx
+++ b/TD1/TD1.pptx
@@ -16,6 +16,7 @@
     <p:sldId id="263" r:id="rId10"/>
     <p:sldId id="264" r:id="rId11"/>
     <p:sldId id="265" r:id="rId12"/>
+    <p:sldId id="267" r:id="rId13"/>
   </p:sldIdLst>
   <p:sldSz cx="9144000" cy="6858000" type="screen4x3"/>
   <p:notesSz cx="6858000" cy="9144000"/>
@@ -12260,6 +12261,74 @@
 </p:sld>
 </file>
 
+<file path=ppt/slides/slide12.xml><?xml version="1.0" encoding="utf-8"?>
+<p:sld xmlns:a="http://schemas.openxmlformats.org/drawingml/2006/main" xmlns:r="http://schemas.openxmlformats.org/officeDocument/2006/relationships" xmlns:p="http://schemas.openxmlformats.org/presentationml/2006/main">
+  <p:cSld>
+    <p:spTree>
+      <p:nvGrpSpPr>
+        <p:cNvPr id="1" name=""/>
+        <p:cNvGrpSpPr/>
+        <p:nvPr/>
+      </p:nvGrpSpPr>
+      <p:grpSpPr>
+        <a:xfrm>
+          <a:off x="0" y="0"/>
+          <a:ext cx="0" cy="0"/>
+          <a:chOff x="0" y="0"/>
+          <a:chExt cx="0" cy="0"/>
+        </a:xfrm>
+      </p:grpSpPr>
+      <p:sp>
+        <p:nvSpPr>
+          <p:cNvPr id="2" name="Titre 1"/>
+          <p:cNvSpPr>
+            <a:spLocks noGrp="1"/>
+          </p:cNvSpPr>
+          <p:nvPr>
+            <p:ph type="title"/>
+          </p:nvPr>
+        </p:nvSpPr>
+        <p:spPr/>
+        <p:txBody>
+          <a:bodyPr/>
+          <a:lstStyle/>
+          <a:p>
+            <a:endParaRPr lang="fr-FR"/>
+          </a:p>
+        </p:txBody>
+      </p:sp>
+      <p:sp>
+        <p:nvSpPr>
+          <p:cNvPr id="3" name="Espace réservé du contenu 2"/>
+          <p:cNvSpPr>
+            <a:spLocks noGrp="1"/>
+          </p:cNvSpPr>
+          <p:nvPr>
+            <p:ph idx="1"/>
+          </p:nvPr>
+        </p:nvSpPr>
+        <p:spPr/>
+        <p:txBody>
+          <a:bodyPr/>
+          <a:lstStyle/>
+          <a:p>
+            <a:endParaRPr lang="fr-FR"/>
+          </a:p>
+        </p:txBody>
+      </p:sp>
+    </p:spTree>
+    <p:extLst>
+      <p:ext uri="{BB962C8B-B14F-4D97-AF65-F5344CB8AC3E}">
+        <p14:creationId xmlns:p14="http://schemas.microsoft.com/office/powerpoint/2010/main" val="4117284844"/>
+      </p:ext>
+    </p:extLst>
+  </p:cSld>
+  <p:clrMapOvr>
+    <a:masterClrMapping/>
+  </p:clrMapOvr>
+</p:sld>
+</file>
+
 <file path=ppt/slides/slide2.xml><?xml version="1.0" encoding="utf-8"?>
 <p:sld xmlns:a="http://schemas.openxmlformats.org/drawingml/2006/main" xmlns:r="http://schemas.openxmlformats.org/officeDocument/2006/relationships" xmlns:p="http://schemas.openxmlformats.org/presentationml/2006/main">
   <p:cSld>
